--- a/assets/img/hero-bg.pptx
+++ b/assets/img/hero-bg.pptx
@@ -3015,6 +3015,9 @@
           <a:prstGeom prst="rect">
             <a:avLst/>
           </a:prstGeom>
+          <a:ln>
+            <a:noFill/>
+          </a:ln>
         </p:spPr>
       </p:pic>
     </p:spTree>
